--- a/Documents/presentaties/C#presentatie.pptx
+++ b/Documents/presentaties/C#presentatie.pptx
@@ -7,6 +7,10 @@
   <p:sldIdLst>
     <p:sldId id="256" r:id="rId2"/>
     <p:sldId id="257" r:id="rId3"/>
+    <p:sldId id="258" r:id="rId4"/>
+    <p:sldId id="259" r:id="rId5"/>
+    <p:sldId id="260" r:id="rId6"/>
+    <p:sldId id="261" r:id="rId7"/>
   </p:sldIdLst>
   <p:sldSz cx="12192000" cy="6858000"/>
   <p:notesSz cx="6858000" cy="9144000"/>
@@ -105,7 +109,16 @@
       </a:defRPr>
     </a:lvl9pPr>
   </p:defaultTextStyle>
+  <p:extLst>
+    <p:ext uri="{EFAFB233-063F-42B5-8137-9DF3F51BA10A}">
+      <p15:sldGuideLst xmlns:p15="http://schemas.microsoft.com/office/powerpoint/2012/main"/>
+    </p:ext>
+  </p:extLst>
 </p:presentation>
+</file>
+
+<file path=ppt/revisionInfo.xml><?xml version="1.0" encoding="utf-8"?>
+<p1510:revInfo xmlns:a="http://schemas.openxmlformats.org/drawingml/2006/main" xmlns:r="http://schemas.openxmlformats.org/officeDocument/2006/relationships" xmlns:p1510="http://schemas.microsoft.com/office/powerpoint/2015/10/main"/>
 </file>
 
 <file path=ppt/slideLayouts/slideLayout1.xml><?xml version="1.0" encoding="utf-8"?>
@@ -3677,26 +3690,70 @@
           <a:bodyPr/>
           <a:lstStyle/>
           <a:p>
+            <a:r>
+              <a:rPr lang="nl-NL" dirty="0"/>
+              <a:t>Inhoud</a:t>
+            </a:r>
+          </a:p>
+        </p:txBody>
+      </p:sp>
+      <p:sp>
+        <p:nvSpPr>
+          <p:cNvPr id="3" name="Tijdelijke aanduiding voor inhoud 2"/>
+          <p:cNvSpPr>
+            <a:spLocks noGrp="1"/>
+          </p:cNvSpPr>
+          <p:nvPr>
+            <p:ph idx="1"/>
+          </p:nvPr>
+        </p:nvSpPr>
+        <p:spPr>
+          <a:xfrm>
+            <a:off x="1202919" y="2011680"/>
+            <a:ext cx="9784080" cy="2433320"/>
+          </a:xfrm>
+        </p:spPr>
+        <p:txBody>
+          <a:bodyPr/>
+          <a:lstStyle/>
+          <a:p>
+            <a:r>
+              <a:rPr lang="nl-NL" b="1" dirty="0"/>
+              <a:t>Must have</a:t>
+            </a:r>
+          </a:p>
+          <a:p>
+            <a:r>
+              <a:rPr lang="nl-NL" b="1" dirty="0" err="1"/>
+              <a:t>Should</a:t>
+            </a:r>
+            <a:r>
+              <a:rPr lang="nl-NL" b="1" dirty="0"/>
+              <a:t> have</a:t>
+            </a:r>
+          </a:p>
+          <a:p>
+            <a:r>
+              <a:rPr lang="nl-NL" b="1" dirty="0" err="1"/>
+              <a:t>Could</a:t>
+            </a:r>
+            <a:r>
+              <a:rPr lang="nl-NL" b="1" dirty="0"/>
+              <a:t> have</a:t>
+            </a:r>
+          </a:p>
+          <a:p>
+            <a:r>
+              <a:rPr lang="nl-NL" b="1" dirty="0" err="1"/>
+              <a:t>Won’t</a:t>
+            </a:r>
+            <a:r>
+              <a:rPr lang="nl-NL" b="1" dirty="0"/>
+              <a:t> have</a:t>
+            </a:r>
+          </a:p>
+          <a:p>
             <a:endParaRPr lang="nl-NL" dirty="0"/>
-          </a:p>
-        </p:txBody>
-      </p:sp>
-      <p:sp>
-        <p:nvSpPr>
-          <p:cNvPr id="3" name="Tijdelijke aanduiding voor inhoud 2"/>
-          <p:cNvSpPr>
-            <a:spLocks noGrp="1"/>
-          </p:cNvSpPr>
-          <p:nvPr>
-            <p:ph idx="1"/>
-          </p:nvPr>
-        </p:nvSpPr>
-        <p:spPr/>
-        <p:txBody>
-          <a:bodyPr/>
-          <a:lstStyle/>
-          <a:p>
-            <a:endParaRPr lang="nl-NL"/>
           </a:p>
         </p:txBody>
       </p:sp>
@@ -3704,6 +3761,378 @@
     <p:extLst>
       <p:ext uri="{BB962C8B-B14F-4D97-AF65-F5344CB8AC3E}">
         <p14:creationId xmlns:p14="http://schemas.microsoft.com/office/powerpoint/2010/main" val="3492265421"/>
+      </p:ext>
+    </p:extLst>
+  </p:cSld>
+  <p:clrMapOvr>
+    <a:masterClrMapping/>
+  </p:clrMapOvr>
+</p:sld>
+</file>
+
+<file path=ppt/slides/slide3.xml><?xml version="1.0" encoding="utf-8"?>
+<p:sld xmlns:a="http://schemas.openxmlformats.org/drawingml/2006/main" xmlns:r="http://schemas.openxmlformats.org/officeDocument/2006/relationships" xmlns:p="http://schemas.openxmlformats.org/presentationml/2006/main">
+  <p:cSld>
+    <p:spTree>
+      <p:nvGrpSpPr>
+        <p:cNvPr id="1" name=""/>
+        <p:cNvGrpSpPr/>
+        <p:nvPr/>
+      </p:nvGrpSpPr>
+      <p:grpSpPr>
+        <a:xfrm>
+          <a:off x="0" y="0"/>
+          <a:ext cx="0" cy="0"/>
+          <a:chOff x="0" y="0"/>
+          <a:chExt cx="0" cy="0"/>
+        </a:xfrm>
+      </p:grpSpPr>
+      <p:sp>
+        <p:nvSpPr>
+          <p:cNvPr id="2" name="Titel 1"/>
+          <p:cNvSpPr>
+            <a:spLocks noGrp="1"/>
+          </p:cNvSpPr>
+          <p:nvPr>
+            <p:ph type="title"/>
+          </p:nvPr>
+        </p:nvSpPr>
+        <p:spPr/>
+        <p:txBody>
+          <a:bodyPr/>
+          <a:lstStyle/>
+          <a:p>
+            <a:r>
+              <a:rPr lang="nl-NL" dirty="0"/>
+              <a:t>Must have</a:t>
+            </a:r>
+          </a:p>
+        </p:txBody>
+      </p:sp>
+      <p:sp>
+        <p:nvSpPr>
+          <p:cNvPr id="3" name="Tijdelijke aanduiding voor inhoud 2"/>
+          <p:cNvSpPr>
+            <a:spLocks noGrp="1"/>
+          </p:cNvSpPr>
+          <p:nvPr>
+            <p:ph idx="1"/>
+          </p:nvPr>
+        </p:nvSpPr>
+        <p:spPr/>
+        <p:txBody>
+          <a:bodyPr/>
+          <a:lstStyle/>
+          <a:p>
+            <a:pPr lvl="0"/>
+            <a:r>
+              <a:rPr lang="nl-NL" dirty="0"/>
+              <a:t>C# applicatie</a:t>
+            </a:r>
+          </a:p>
+          <a:p>
+            <a:pPr lvl="0"/>
+            <a:r>
+              <a:rPr lang="nl-NL" dirty="0"/>
+              <a:t>Bet-systeem</a:t>
+            </a:r>
+          </a:p>
+          <a:p>
+            <a:pPr lvl="0"/>
+            <a:r>
+              <a:rPr lang="nl-NL" dirty="0"/>
+              <a:t>Invoer voor resultaten</a:t>
+            </a:r>
+          </a:p>
+          <a:p>
+            <a:pPr lvl="0"/>
+            <a:r>
+              <a:rPr lang="nl-NL" dirty="0"/>
+              <a:t>Display voor Resultaten</a:t>
+            </a:r>
+          </a:p>
+          <a:p>
+            <a:pPr lvl="0"/>
+            <a:r>
+              <a:rPr lang="nl-NL" dirty="0" err="1"/>
+              <a:t>Admin</a:t>
+            </a:r>
+            <a:r>
+              <a:rPr lang="nl-NL" dirty="0"/>
+              <a:t> account</a:t>
+            </a:r>
+          </a:p>
+          <a:p>
+            <a:pPr lvl="0"/>
+            <a:r>
+              <a:rPr lang="nl-NL" dirty="0"/>
+              <a:t>Zakelijk uiterlijk</a:t>
+            </a:r>
+          </a:p>
+          <a:p>
+            <a:pPr marL="0" indent="0">
+              <a:buNone/>
+            </a:pPr>
+            <a:endParaRPr lang="nl-NL" dirty="0"/>
+          </a:p>
+        </p:txBody>
+      </p:sp>
+    </p:spTree>
+    <p:extLst>
+      <p:ext uri="{BB962C8B-B14F-4D97-AF65-F5344CB8AC3E}">
+        <p14:creationId xmlns:p14="http://schemas.microsoft.com/office/powerpoint/2010/main" val="760543497"/>
+      </p:ext>
+    </p:extLst>
+  </p:cSld>
+  <p:clrMapOvr>
+    <a:masterClrMapping/>
+  </p:clrMapOvr>
+</p:sld>
+</file>
+
+<file path=ppt/slides/slide4.xml><?xml version="1.0" encoding="utf-8"?>
+<p:sld xmlns:a="http://schemas.openxmlformats.org/drawingml/2006/main" xmlns:r="http://schemas.openxmlformats.org/officeDocument/2006/relationships" xmlns:p="http://schemas.openxmlformats.org/presentationml/2006/main">
+  <p:cSld>
+    <p:spTree>
+      <p:nvGrpSpPr>
+        <p:cNvPr id="1" name=""/>
+        <p:cNvGrpSpPr/>
+        <p:nvPr/>
+      </p:nvGrpSpPr>
+      <p:grpSpPr>
+        <a:xfrm>
+          <a:off x="0" y="0"/>
+          <a:ext cx="0" cy="0"/>
+          <a:chOff x="0" y="0"/>
+          <a:chExt cx="0" cy="0"/>
+        </a:xfrm>
+      </p:grpSpPr>
+      <p:sp>
+        <p:nvSpPr>
+          <p:cNvPr id="2" name="Titel 1"/>
+          <p:cNvSpPr>
+            <a:spLocks noGrp="1"/>
+          </p:cNvSpPr>
+          <p:nvPr>
+            <p:ph type="title"/>
+          </p:nvPr>
+        </p:nvSpPr>
+        <p:spPr/>
+        <p:txBody>
+          <a:bodyPr/>
+          <a:lstStyle/>
+          <a:p>
+            <a:r>
+              <a:rPr lang="nl-NL" dirty="0" err="1"/>
+              <a:t>Should</a:t>
+            </a:r>
+            <a:r>
+              <a:rPr lang="nl-NL" dirty="0"/>
+              <a:t> have</a:t>
+            </a:r>
+          </a:p>
+        </p:txBody>
+      </p:sp>
+      <p:sp>
+        <p:nvSpPr>
+          <p:cNvPr id="3" name="Tijdelijke aanduiding voor inhoud 2"/>
+          <p:cNvSpPr>
+            <a:spLocks noGrp="1"/>
+          </p:cNvSpPr>
+          <p:nvPr>
+            <p:ph idx="1"/>
+          </p:nvPr>
+        </p:nvSpPr>
+        <p:spPr/>
+        <p:txBody>
+          <a:bodyPr/>
+          <a:lstStyle/>
+          <a:p>
+            <a:r>
+              <a:rPr lang="nl-NL" dirty="0"/>
+              <a:t>Aangeven hoeveelheid teams</a:t>
+            </a:r>
+          </a:p>
+          <a:p>
+            <a:endParaRPr lang="nl-NL" dirty="0"/>
+          </a:p>
+        </p:txBody>
+      </p:sp>
+    </p:spTree>
+    <p:extLst>
+      <p:ext uri="{BB962C8B-B14F-4D97-AF65-F5344CB8AC3E}">
+        <p14:creationId xmlns:p14="http://schemas.microsoft.com/office/powerpoint/2010/main" val="2571181618"/>
+      </p:ext>
+    </p:extLst>
+  </p:cSld>
+  <p:clrMapOvr>
+    <a:masterClrMapping/>
+  </p:clrMapOvr>
+</p:sld>
+</file>
+
+<file path=ppt/slides/slide5.xml><?xml version="1.0" encoding="utf-8"?>
+<p:sld xmlns:a="http://schemas.openxmlformats.org/drawingml/2006/main" xmlns:r="http://schemas.openxmlformats.org/officeDocument/2006/relationships" xmlns:p="http://schemas.openxmlformats.org/presentationml/2006/main">
+  <p:cSld>
+    <p:spTree>
+      <p:nvGrpSpPr>
+        <p:cNvPr id="1" name=""/>
+        <p:cNvGrpSpPr/>
+        <p:nvPr/>
+      </p:nvGrpSpPr>
+      <p:grpSpPr>
+        <a:xfrm>
+          <a:off x="0" y="0"/>
+          <a:ext cx="0" cy="0"/>
+          <a:chOff x="0" y="0"/>
+          <a:chExt cx="0" cy="0"/>
+        </a:xfrm>
+      </p:grpSpPr>
+      <p:sp>
+        <p:nvSpPr>
+          <p:cNvPr id="2" name="Titel 1"/>
+          <p:cNvSpPr>
+            <a:spLocks noGrp="1"/>
+          </p:cNvSpPr>
+          <p:nvPr>
+            <p:ph type="title"/>
+          </p:nvPr>
+        </p:nvSpPr>
+        <p:spPr/>
+        <p:txBody>
+          <a:bodyPr/>
+          <a:lstStyle/>
+          <a:p>
+            <a:r>
+              <a:rPr lang="nl-NL" dirty="0" err="1"/>
+              <a:t>Could</a:t>
+            </a:r>
+            <a:r>
+              <a:rPr lang="nl-NL" dirty="0"/>
+              <a:t> have</a:t>
+            </a:r>
+          </a:p>
+        </p:txBody>
+      </p:sp>
+      <p:sp>
+        <p:nvSpPr>
+          <p:cNvPr id="3" name="Tijdelijke aanduiding voor inhoud 2"/>
+          <p:cNvSpPr>
+            <a:spLocks noGrp="1"/>
+          </p:cNvSpPr>
+          <p:nvPr>
+            <p:ph idx="1"/>
+          </p:nvPr>
+        </p:nvSpPr>
+        <p:spPr/>
+        <p:txBody>
+          <a:bodyPr/>
+          <a:lstStyle/>
+          <a:p>
+            <a:endParaRPr lang="nl-NL"/>
+          </a:p>
+        </p:txBody>
+      </p:sp>
+    </p:spTree>
+    <p:extLst>
+      <p:ext uri="{BB962C8B-B14F-4D97-AF65-F5344CB8AC3E}">
+        <p14:creationId xmlns:p14="http://schemas.microsoft.com/office/powerpoint/2010/main" val="657544024"/>
+      </p:ext>
+    </p:extLst>
+  </p:cSld>
+  <p:clrMapOvr>
+    <a:masterClrMapping/>
+  </p:clrMapOvr>
+</p:sld>
+</file>
+
+<file path=ppt/slides/slide6.xml><?xml version="1.0" encoding="utf-8"?>
+<p:sld xmlns:a="http://schemas.openxmlformats.org/drawingml/2006/main" xmlns:r="http://schemas.openxmlformats.org/officeDocument/2006/relationships" xmlns:p="http://schemas.openxmlformats.org/presentationml/2006/main">
+  <p:cSld>
+    <p:spTree>
+      <p:nvGrpSpPr>
+        <p:cNvPr id="1" name=""/>
+        <p:cNvGrpSpPr/>
+        <p:nvPr/>
+      </p:nvGrpSpPr>
+      <p:grpSpPr>
+        <a:xfrm>
+          <a:off x="0" y="0"/>
+          <a:ext cx="0" cy="0"/>
+          <a:chOff x="0" y="0"/>
+          <a:chExt cx="0" cy="0"/>
+        </a:xfrm>
+      </p:grpSpPr>
+      <p:sp>
+        <p:nvSpPr>
+          <p:cNvPr id="2" name="Titel 1"/>
+          <p:cNvSpPr>
+            <a:spLocks noGrp="1"/>
+          </p:cNvSpPr>
+          <p:nvPr>
+            <p:ph type="title"/>
+          </p:nvPr>
+        </p:nvSpPr>
+        <p:spPr/>
+        <p:txBody>
+          <a:bodyPr/>
+          <a:lstStyle/>
+          <a:p>
+            <a:r>
+              <a:rPr lang="nl-NL" dirty="0" err="1"/>
+              <a:t>Won’t</a:t>
+            </a:r>
+            <a:r>
+              <a:rPr lang="nl-NL" dirty="0"/>
+              <a:t> have</a:t>
+            </a:r>
+          </a:p>
+        </p:txBody>
+      </p:sp>
+      <p:sp>
+        <p:nvSpPr>
+          <p:cNvPr id="3" name="Tijdelijke aanduiding voor inhoud 2"/>
+          <p:cNvSpPr>
+            <a:spLocks noGrp="1"/>
+          </p:cNvSpPr>
+          <p:nvPr>
+            <p:ph idx="1"/>
+          </p:nvPr>
+        </p:nvSpPr>
+        <p:spPr/>
+        <p:txBody>
+          <a:bodyPr/>
+          <a:lstStyle/>
+          <a:p>
+            <a:pPr lvl="0"/>
+            <a:r>
+              <a:rPr lang="nl-NL" dirty="0"/>
+              <a:t>Mobiele applicatie</a:t>
+            </a:r>
+          </a:p>
+          <a:p>
+            <a:pPr lvl="0"/>
+            <a:r>
+              <a:rPr lang="nl-NL" dirty="0"/>
+              <a:t>Veel vrolijke kleuren</a:t>
+            </a:r>
+          </a:p>
+          <a:p>
+            <a:pPr lvl="0"/>
+            <a:r>
+              <a:rPr lang="nl-NL" dirty="0"/>
+              <a:t>Alles buiten deze website en C# applicatie</a:t>
+            </a:r>
+          </a:p>
+          <a:p>
+            <a:endParaRPr lang="nl-NL" dirty="0"/>
+          </a:p>
+        </p:txBody>
+      </p:sp>
+    </p:spTree>
+    <p:extLst>
+      <p:ext uri="{BB962C8B-B14F-4D97-AF65-F5344CB8AC3E}">
+        <p14:creationId xmlns:p14="http://schemas.microsoft.com/office/powerpoint/2010/main" val="3766687524"/>
       </p:ext>
     </p:extLst>
   </p:cSld>

--- a/Documents/presentaties/C#presentatie.pptx
+++ b/Documents/presentaties/C#presentatie.pptx
@@ -9,8 +9,9 @@
     <p:sldId id="257" r:id="rId3"/>
     <p:sldId id="258" r:id="rId4"/>
     <p:sldId id="259" r:id="rId5"/>
-    <p:sldId id="260" r:id="rId6"/>
-    <p:sldId id="261" r:id="rId7"/>
+    <p:sldId id="261" r:id="rId6"/>
+    <p:sldId id="263" r:id="rId7"/>
+    <p:sldId id="264" r:id="rId8"/>
   </p:sldIdLst>
   <p:sldSz cx="12192000" cy="6858000"/>
   <p:notesSz cx="6858000" cy="9144000"/>
@@ -122,7 +123,7 @@
 </file>
 
 <file path=ppt/slideLayouts/slideLayout1.xml><?xml version="1.0" encoding="utf-8"?>
-<p:sldLayout xmlns:a="http://schemas.openxmlformats.org/drawingml/2006/main" xmlns:r="http://schemas.openxmlformats.org/officeDocument/2006/relationships" xmlns:p="http://schemas.openxmlformats.org/presentationml/2006/main" showMasterSp="0" type="title" preserve="1">
+<p:sldLayout xmlns:a="http://schemas.openxmlformats.org/drawingml/2006/main" xmlns:r="http://schemas.openxmlformats.org/officeDocument/2006/relationships" xmlns:p="http://schemas.openxmlformats.org/presentationml/2006/main" type="title" preserve="1">
   <p:cSld name="Titeldia">
     <p:spTree>
       <p:nvGrpSpPr>
@@ -297,7 +298,7 @@
           <a:p>
             <a:fld id="{96DFF08F-DC6B-4601-B491-B0F83F6DD2DA}" type="datetimeFigureOut">
               <a:rPr lang="en-US" dirty="0"/>
-              <a:t>6/1/2017</a:t>
+              <a:t>6/8/2017</a:t>
             </a:fld>
             <a:endParaRPr lang="en-US" dirty="0"/>
           </a:p>
@@ -462,7 +463,7 @@
           <a:p>
             <a:fld id="{96DFF08F-DC6B-4601-B491-B0F83F6DD2DA}" type="datetimeFigureOut">
               <a:rPr lang="en-US" dirty="0"/>
-              <a:t>6/1/2017</a:t>
+              <a:t>6/8/2017</a:t>
             </a:fld>
             <a:endParaRPr lang="en-US" dirty="0"/>
           </a:p>
@@ -519,7 +520,7 @@
 </file>
 
 <file path=ppt/slideLayouts/slideLayout11.xml><?xml version="1.0" encoding="utf-8"?>
-<p:sldLayout xmlns:a="http://schemas.openxmlformats.org/drawingml/2006/main" xmlns:r="http://schemas.openxmlformats.org/officeDocument/2006/relationships" xmlns:p="http://schemas.openxmlformats.org/presentationml/2006/main" showMasterSp="0" type="vertTitleAndTx" preserve="1">
+<p:sldLayout xmlns:a="http://schemas.openxmlformats.org/drawingml/2006/main" xmlns:r="http://schemas.openxmlformats.org/officeDocument/2006/relationships" xmlns:p="http://schemas.openxmlformats.org/presentationml/2006/main" type="vertTitleAndTx" preserve="1">
   <p:cSld name="Verticale titel en tekst">
     <p:spTree>
       <p:nvGrpSpPr>
@@ -680,7 +681,7 @@
           <a:p>
             <a:fld id="{96DFF08F-DC6B-4601-B491-B0F83F6DD2DA}" type="datetimeFigureOut">
               <a:rPr lang="en-US" dirty="0"/>
-              <a:t>6/1/2017</a:t>
+              <a:t>6/8/2017</a:t>
             </a:fld>
             <a:endParaRPr lang="en-US" dirty="0"/>
           </a:p>
@@ -855,7 +856,7 @@
           <a:p>
             <a:fld id="{96DFF08F-DC6B-4601-B491-B0F83F6DD2DA}" type="datetimeFigureOut">
               <a:rPr lang="en-US" dirty="0"/>
-              <a:t>6/1/2017</a:t>
+              <a:t>6/8/2017</a:t>
             </a:fld>
             <a:endParaRPr lang="en-US" dirty="0"/>
           </a:p>
@@ -912,13 +913,8 @@
 </file>
 
 <file path=ppt/slideLayouts/slideLayout3.xml><?xml version="1.0" encoding="utf-8"?>
-<p:sldLayout xmlns:a="http://schemas.openxmlformats.org/drawingml/2006/main" xmlns:r="http://schemas.openxmlformats.org/officeDocument/2006/relationships" xmlns:p="http://schemas.openxmlformats.org/presentationml/2006/main" showMasterSp="0" type="secHead" preserve="1">
+<p:sldLayout xmlns:a="http://schemas.openxmlformats.org/drawingml/2006/main" xmlns:r="http://schemas.openxmlformats.org/officeDocument/2006/relationships" xmlns:p="http://schemas.openxmlformats.org/presentationml/2006/main" type="secHead" preserve="1">
   <p:cSld name="Sectiekop">
-    <p:bg>
-      <p:bgRef idx="1001">
-        <a:schemeClr val="bg1"/>
-      </p:bgRef>
-    </p:bg>
     <p:spTree>
       <p:nvGrpSpPr>
         <p:cNvPr id="1" name=""/>
@@ -1157,7 +1153,7 @@
             <a:fld id="{96DFF08F-DC6B-4601-B491-B0F83F6DD2DA}" type="datetimeFigureOut">
               <a:rPr lang="en-US" dirty="0"/>
               <a:pPr/>
-              <a:t>6/1/2017</a:t>
+              <a:t>6/8/2017</a:t>
             </a:fld>
             <a:endParaRPr lang="en-US" dirty="0"/>
           </a:p>
@@ -1457,7 +1453,7 @@
           <a:p>
             <a:fld id="{96DFF08F-DC6B-4601-B491-B0F83F6DD2DA}" type="datetimeFigureOut">
               <a:rPr lang="en-US" dirty="0"/>
-              <a:t>6/1/2017</a:t>
+              <a:t>6/8/2017</a:t>
             </a:fld>
             <a:endParaRPr lang="en-US" dirty="0"/>
           </a:p>
@@ -1874,7 +1870,7 @@
           <a:p>
             <a:fld id="{96DFF08F-DC6B-4601-B491-B0F83F6DD2DA}" type="datetimeFigureOut">
               <a:rPr lang="en-US" dirty="0"/>
-              <a:t>6/1/2017</a:t>
+              <a:t>6/8/2017</a:t>
             </a:fld>
             <a:endParaRPr lang="en-US" dirty="0"/>
           </a:p>
@@ -1987,7 +1983,7 @@
           <a:p>
             <a:fld id="{96DFF08F-DC6B-4601-B491-B0F83F6DD2DA}" type="datetimeFigureOut">
               <a:rPr lang="en-US" dirty="0"/>
-              <a:t>6/1/2017</a:t>
+              <a:t>6/8/2017</a:t>
             </a:fld>
             <a:endParaRPr lang="en-US" dirty="0"/>
           </a:p>
@@ -2044,7 +2040,7 @@
 </file>
 
 <file path=ppt/slideLayouts/slideLayout7.xml><?xml version="1.0" encoding="utf-8"?>
-<p:sldLayout xmlns:a="http://schemas.openxmlformats.org/drawingml/2006/main" xmlns:r="http://schemas.openxmlformats.org/officeDocument/2006/relationships" xmlns:p="http://schemas.openxmlformats.org/presentationml/2006/main" showMasterSp="0" type="blank" preserve="1">
+<p:sldLayout xmlns:a="http://schemas.openxmlformats.org/drawingml/2006/main" xmlns:r="http://schemas.openxmlformats.org/officeDocument/2006/relationships" xmlns:p="http://schemas.openxmlformats.org/presentationml/2006/main" type="blank" preserve="1">
   <p:cSld name="Leeg">
     <p:spTree>
       <p:nvGrpSpPr>
@@ -2077,7 +2073,7 @@
           <a:p>
             <a:fld id="{96DFF08F-DC6B-4601-B491-B0F83F6DD2DA}" type="datetimeFigureOut">
               <a:rPr lang="en-US" dirty="0"/>
-              <a:t>6/1/2017</a:t>
+              <a:t>6/8/2017</a:t>
             </a:fld>
             <a:endParaRPr lang="en-US" dirty="0"/>
           </a:p>
@@ -2345,7 +2341,7 @@
           <a:p>
             <a:fld id="{96DFF08F-DC6B-4601-B491-B0F83F6DD2DA}" type="datetimeFigureOut">
               <a:rPr lang="en-US" dirty="0"/>
-              <a:t>6/1/2017</a:t>
+              <a:t>6/8/2017</a:t>
             </a:fld>
             <a:endParaRPr lang="en-US" dirty="0"/>
           </a:p>
@@ -2605,7 +2601,7 @@
           <a:p>
             <a:fld id="{96DFF08F-DC6B-4601-B491-B0F83F6DD2DA}" type="datetimeFigureOut">
               <a:rPr lang="en-US" dirty="0"/>
-              <a:t>6/1/2017</a:t>
+              <a:t>6/8/2017</a:t>
             </a:fld>
             <a:endParaRPr lang="en-US" dirty="0"/>
           </a:p>
@@ -2665,9 +2661,14 @@
 <p:sldMaster xmlns:a="http://schemas.openxmlformats.org/drawingml/2006/main" xmlns:r="http://schemas.openxmlformats.org/officeDocument/2006/relationships" xmlns:p="http://schemas.openxmlformats.org/presentationml/2006/main">
   <p:cSld>
     <p:bg>
-      <p:bgRef idx="1001">
-        <a:schemeClr val="bg2"/>
-      </p:bgRef>
+      <p:bgPr>
+        <a:solidFill>
+          <a:schemeClr val="bg2">
+            <a:lumMod val="50000"/>
+          </a:schemeClr>
+        </a:solidFill>
+        <a:effectLst/>
+      </p:bgPr>
     </p:bg>
     <p:spTree>
       <p:nvGrpSpPr>
@@ -2850,7 +2851,7 @@
             <a:fld id="{96DFF08F-DC6B-4601-B491-B0F83F6DD2DA}" type="datetimeFigureOut">
               <a:rPr lang="en-US" dirty="0"/>
               <a:pPr/>
-              <a:t>6/1/2017</a:t>
+              <a:t>6/8/2017</a:t>
             </a:fld>
             <a:endParaRPr lang="en-US" dirty="0"/>
           </a:p>
@@ -3308,23 +3309,42 @@
             <a:spLocks noGrp="1"/>
           </p:cNvSpPr>
           <p:nvPr>
-            <p:ph type="ctrTitle"/>
-          </p:nvPr>
-        </p:nvSpPr>
-        <p:spPr/>
-        <p:txBody>
-          <a:bodyPr/>
-          <a:lstStyle/>
-          <a:p>
-            <a:r>
-              <a:rPr lang="nl-NL" dirty="0"/>
+            <p:ph type="title"/>
+          </p:nvPr>
+        </p:nvSpPr>
+        <p:spPr/>
+        <p:txBody>
+          <a:bodyPr/>
+          <a:lstStyle/>
+          <a:p>
+            <a:pPr algn="ctr"/>
+            <a:r>
+              <a:rPr lang="nl-NL" dirty="0">
+                <a:solidFill>
+                  <a:schemeClr val="bg2">
+                    <a:lumMod val="50000"/>
+                  </a:schemeClr>
+                </a:solidFill>
+              </a:rPr>
               <a:t>C# </a:t>
             </a:r>
             <a:r>
-              <a:rPr lang="nl-NL" dirty="0" err="1"/>
+              <a:rPr lang="nl-NL" dirty="0" err="1">
+                <a:solidFill>
+                  <a:schemeClr val="bg2">
+                    <a:lumMod val="50000"/>
+                  </a:schemeClr>
+                </a:solidFill>
+              </a:rPr>
               <a:t>pResentatie</a:t>
             </a:r>
-            <a:endParaRPr lang="nl-NL" dirty="0"/>
+            <a:endParaRPr lang="nl-NL" dirty="0">
+              <a:solidFill>
+                <a:schemeClr val="bg2">
+                  <a:lumMod val="50000"/>
+                </a:schemeClr>
+              </a:solidFill>
+            </a:endParaRPr>
           </a:p>
         </p:txBody>
       </p:sp>
@@ -3335,13 +3355,13 @@
             <a:spLocks noGrp="1"/>
           </p:cNvSpPr>
           <p:nvPr>
-            <p:ph type="subTitle" idx="1"/>
+            <p:ph type="subTitle" idx="4294967295"/>
           </p:nvPr>
         </p:nvSpPr>
         <p:spPr>
           <a:xfrm>
-            <a:off x="1524000" y="4668253"/>
-            <a:ext cx="9144000" cy="641684"/>
+            <a:off x="1522959" y="2690748"/>
+            <a:ext cx="9144000" cy="641350"/>
           </a:xfrm>
         </p:spPr>
         <p:txBody>
@@ -3350,6 +3370,9 @@
           </a:bodyPr>
           <a:lstStyle/>
           <a:p>
+            <a:pPr marL="0" indent="0" algn="ctr">
+              <a:buNone/>
+            </a:pPr>
             <a:r>
               <a:rPr lang="nl-NL" sz="2800" dirty="0"/>
               <a:t>EA </a:t>
@@ -3364,9 +3387,11 @@
             </a:r>
           </a:p>
           <a:p>
+            <a:pPr algn="ctr"/>
             <a:endParaRPr lang="nl-NL" sz="2400" dirty="0"/>
           </a:p>
           <a:p>
+            <a:pPr algn="ctr"/>
             <a:endParaRPr lang="nl-NL" sz="2400" dirty="0"/>
           </a:p>
         </p:txBody>
@@ -3685,13 +3710,24 @@
             <p:ph type="title"/>
           </p:nvPr>
         </p:nvSpPr>
-        <p:spPr/>
-        <p:txBody>
-          <a:bodyPr/>
-          <a:lstStyle/>
-          <a:p>
-            <a:r>
-              <a:rPr lang="nl-NL" dirty="0"/>
+        <p:spPr>
+          <a:xfrm>
+            <a:off x="1202919" y="256184"/>
+            <a:ext cx="9784080" cy="1508760"/>
+          </a:xfrm>
+        </p:spPr>
+        <p:txBody>
+          <a:bodyPr/>
+          <a:lstStyle/>
+          <a:p>
+            <a:r>
+              <a:rPr lang="nl-NL" dirty="0">
+                <a:solidFill>
+                  <a:schemeClr val="bg2">
+                    <a:lumMod val="50000"/>
+                  </a:schemeClr>
+                </a:solidFill>
+              </a:rPr>
               <a:t>Inhoud</a:t>
             </a:r>
           </a:p>
@@ -3724,36 +3760,27 @@
           </a:p>
           <a:p>
             <a:r>
-              <a:rPr lang="nl-NL" b="1" dirty="0" err="1"/>
-              <a:t>Should</a:t>
-            </a:r>
-            <a:r>
               <a:rPr lang="nl-NL" b="1" dirty="0"/>
-              <a:t> have</a:t>
-            </a:r>
-          </a:p>
-          <a:p>
-            <a:r>
-              <a:rPr lang="nl-NL" b="1" dirty="0" err="1"/>
-              <a:t>Could</a:t>
-            </a:r>
+              <a:t>Should have</a:t>
+            </a:r>
+          </a:p>
+          <a:p>
             <a:r>
               <a:rPr lang="nl-NL" b="1" dirty="0"/>
-              <a:t> have</a:t>
-            </a:r>
-          </a:p>
-          <a:p>
-            <a:r>
-              <a:rPr lang="nl-NL" b="1" dirty="0" err="1"/>
-              <a:t>Won’t</a:t>
-            </a:r>
+              <a:t>Could have</a:t>
+            </a:r>
+          </a:p>
+          <a:p>
             <a:r>
               <a:rPr lang="nl-NL" b="1" dirty="0"/>
-              <a:t> have</a:t>
-            </a:r>
-          </a:p>
-          <a:p>
-            <a:endParaRPr lang="nl-NL" dirty="0"/>
+              <a:t>Won’t have</a:t>
+            </a:r>
+          </a:p>
+          <a:p>
+            <a:r>
+              <a:rPr lang="nl-NL" b="1" dirty="0"/>
+              <a:t>De App</a:t>
+            </a:r>
           </a:p>
         </p:txBody>
       </p:sp>
@@ -3803,7 +3830,13 @@
           <a:lstStyle/>
           <a:p>
             <a:r>
-              <a:rPr lang="nl-NL" dirty="0"/>
+              <a:rPr lang="nl-NL" dirty="0">
+                <a:solidFill>
+                  <a:schemeClr val="bg2">
+                    <a:lumMod val="50000"/>
+                  </a:schemeClr>
+                </a:solidFill>
+              </a:rPr>
               <a:t>Must have</a:t>
             </a:r>
           </a:p>
@@ -3826,46 +3859,46 @@
           <a:p>
             <a:pPr lvl="0"/>
             <a:r>
-              <a:rPr lang="nl-NL" dirty="0"/>
+              <a:rPr lang="nl-NL" b="1" dirty="0"/>
               <a:t>C# applicatie</a:t>
             </a:r>
           </a:p>
           <a:p>
             <a:pPr lvl="0"/>
             <a:r>
-              <a:rPr lang="nl-NL" dirty="0"/>
+              <a:rPr lang="nl-NL" b="1" dirty="0"/>
               <a:t>Bet-systeem</a:t>
             </a:r>
           </a:p>
           <a:p>
             <a:pPr lvl="0"/>
             <a:r>
-              <a:rPr lang="nl-NL" dirty="0"/>
+              <a:rPr lang="nl-NL" b="1" dirty="0"/>
               <a:t>Invoer voor resultaten</a:t>
             </a:r>
           </a:p>
           <a:p>
             <a:pPr lvl="0"/>
             <a:r>
-              <a:rPr lang="nl-NL" dirty="0"/>
+              <a:rPr lang="nl-NL" b="1" dirty="0"/>
               <a:t>Display voor Resultaten</a:t>
             </a:r>
           </a:p>
           <a:p>
             <a:pPr lvl="0"/>
             <a:r>
-              <a:rPr lang="nl-NL" dirty="0" err="1"/>
+              <a:rPr lang="nl-NL" b="1" dirty="0" err="1"/>
               <a:t>Admin</a:t>
             </a:r>
             <a:r>
-              <a:rPr lang="nl-NL" dirty="0"/>
+              <a:rPr lang="nl-NL" b="1" dirty="0"/>
               <a:t> account</a:t>
             </a:r>
           </a:p>
           <a:p>
             <a:pPr lvl="0"/>
             <a:r>
-              <a:rPr lang="nl-NL" dirty="0"/>
+              <a:rPr lang="nl-NL" b="1" dirty="0"/>
               <a:t>Zakelijk uiterlijk</a:t>
             </a:r>
           </a:p>
@@ -3873,7 +3906,7 @@
             <a:pPr marL="0" indent="0">
               <a:buNone/>
             </a:pPr>
-            <a:endParaRPr lang="nl-NL" dirty="0"/>
+            <a:endParaRPr lang="nl-NL" b="1" dirty="0"/>
           </a:p>
         </p:txBody>
       </p:sp>
@@ -3923,12 +3956,14 @@
           <a:lstStyle/>
           <a:p>
             <a:r>
-              <a:rPr lang="nl-NL" dirty="0" err="1"/>
-              <a:t>Should</a:t>
-            </a:r>
-            <a:r>
-              <a:rPr lang="nl-NL" dirty="0"/>
-              <a:t> have</a:t>
+              <a:rPr lang="nl-NL" dirty="0">
+                <a:solidFill>
+                  <a:schemeClr val="bg2">
+                    <a:lumMod val="50000"/>
+                  </a:schemeClr>
+                </a:solidFill>
+              </a:rPr>
+              <a:t>Should have</a:t>
             </a:r>
           </a:p>
         </p:txBody>
@@ -3949,12 +3984,12 @@
           <a:lstStyle/>
           <a:p>
             <a:r>
-              <a:rPr lang="nl-NL" dirty="0"/>
-              <a:t>Aangeven hoeveelheid teams</a:t>
-            </a:r>
-          </a:p>
-          <a:p>
-            <a:endParaRPr lang="nl-NL" dirty="0"/>
+              <a:rPr lang="nl-NL" b="1" dirty="0"/>
+              <a:t>Aangeven hoeveel teams</a:t>
+            </a:r>
+          </a:p>
+          <a:p>
+            <a:endParaRPr lang="nl-NL" b="1" dirty="0"/>
           </a:p>
         </p:txBody>
       </p:sp>
@@ -4004,12 +4039,14 @@
           <a:lstStyle/>
           <a:p>
             <a:r>
-              <a:rPr lang="nl-NL" dirty="0" err="1"/>
-              <a:t>Could</a:t>
-            </a:r>
-            <a:r>
-              <a:rPr lang="nl-NL" dirty="0"/>
-              <a:t> have</a:t>
+              <a:rPr lang="nl-NL" dirty="0">
+                <a:solidFill>
+                  <a:schemeClr val="bg2">
+                    <a:lumMod val="50000"/>
+                  </a:schemeClr>
+                </a:solidFill>
+              </a:rPr>
+              <a:t>Won’t have</a:t>
             </a:r>
           </a:p>
         </p:txBody>
@@ -4029,14 +4066,25 @@
           <a:bodyPr/>
           <a:lstStyle/>
           <a:p>
-            <a:endParaRPr lang="nl-NL"/>
+            <a:pPr lvl="0"/>
+            <a:r>
+              <a:rPr lang="nl-NL" b="1" dirty="0"/>
+              <a:t>Mobiele applicatie</a:t>
+            </a:r>
+          </a:p>
+          <a:p>
+            <a:pPr lvl="0"/>
+            <a:r>
+              <a:rPr lang="nl-NL" b="1" dirty="0"/>
+              <a:t>Veel vrolijke kleuren</a:t>
+            </a:r>
           </a:p>
         </p:txBody>
       </p:sp>
     </p:spTree>
     <p:extLst>
       <p:ext uri="{BB962C8B-B14F-4D97-AF65-F5344CB8AC3E}">
-        <p14:creationId xmlns:p14="http://schemas.microsoft.com/office/powerpoint/2010/main" val="657544024"/>
+        <p14:creationId xmlns:p14="http://schemas.microsoft.com/office/powerpoint/2010/main" val="3766687524"/>
       </p:ext>
     </p:extLst>
   </p:cSld>
@@ -4065,7 +4113,13 @@
       </p:grpSpPr>
       <p:sp>
         <p:nvSpPr>
-          <p:cNvPr id="2" name="Titel 1"/>
+          <p:cNvPr id="2" name="Titel 1">
+            <a:extLst>
+              <a:ext uri="{FF2B5EF4-FFF2-40B4-BE49-F238E27FC236}">
+                <a16:creationId xmlns:a16="http://schemas.microsoft.com/office/drawing/2014/main" id="{63D1DE32-0656-4554-937C-9BC16D3D4374}"/>
+              </a:ext>
+            </a:extLst>
+          </p:cNvPr>
           <p:cNvSpPr>
             <a:spLocks noGrp="1"/>
           </p:cNvSpPr>
@@ -4079,60 +4133,207 @@
           <a:lstStyle/>
           <a:p>
             <a:r>
-              <a:rPr lang="nl-NL" dirty="0" err="1"/>
-              <a:t>Won’t</a:t>
-            </a:r>
-            <a:r>
-              <a:rPr lang="nl-NL" dirty="0"/>
-              <a:t> have</a:t>
-            </a:r>
-          </a:p>
-        </p:txBody>
-      </p:sp>
-      <p:sp>
-        <p:nvSpPr>
-          <p:cNvPr id="3" name="Tijdelijke aanduiding voor inhoud 2"/>
-          <p:cNvSpPr>
-            <a:spLocks noGrp="1"/>
-          </p:cNvSpPr>
-          <p:nvPr>
-            <p:ph idx="1"/>
-          </p:nvPr>
-        </p:nvSpPr>
-        <p:spPr/>
-        <p:txBody>
-          <a:bodyPr/>
-          <a:lstStyle/>
-          <a:p>
-            <a:pPr lvl="0"/>
-            <a:r>
-              <a:rPr lang="nl-NL" dirty="0"/>
-              <a:t>Mobiele applicatie</a:t>
-            </a:r>
-          </a:p>
-          <a:p>
-            <a:pPr lvl="0"/>
-            <a:r>
-              <a:rPr lang="nl-NL" dirty="0"/>
-              <a:t>Veel vrolijke kleuren</a:t>
-            </a:r>
-          </a:p>
-          <a:p>
-            <a:pPr lvl="0"/>
-            <a:r>
-              <a:rPr lang="nl-NL" dirty="0"/>
-              <a:t>Alles buiten deze website en C# applicatie</a:t>
-            </a:r>
-          </a:p>
-          <a:p>
-            <a:endParaRPr lang="nl-NL" dirty="0"/>
-          </a:p>
-        </p:txBody>
-      </p:sp>
+              <a:rPr lang="nl-NL" dirty="0">
+                <a:solidFill>
+                  <a:schemeClr val="bg2">
+                    <a:lumMod val="50000"/>
+                  </a:schemeClr>
+                </a:solidFill>
+              </a:rPr>
+              <a:t>De app</a:t>
+            </a:r>
+          </a:p>
+        </p:txBody>
+      </p:sp>
+      <p:pic>
+        <p:nvPicPr>
+          <p:cNvPr id="4" name="Afbeelding 3">
+            <a:extLst>
+              <a:ext uri="{FF2B5EF4-FFF2-40B4-BE49-F238E27FC236}">
+                <a16:creationId xmlns:a16="http://schemas.microsoft.com/office/drawing/2014/main" id="{7B617A0B-AC26-4E32-B7A8-81681402339C}"/>
+              </a:ext>
+            </a:extLst>
+          </p:cNvPr>
+          <p:cNvPicPr>
+            <a:picLocks noChangeAspect="1"/>
+          </p:cNvPicPr>
+          <p:nvPr/>
+        </p:nvPicPr>
+        <p:blipFill>
+          <a:blip r:embed="rId2"/>
+          <a:stretch>
+            <a:fillRect/>
+          </a:stretch>
+        </p:blipFill>
+        <p:spPr>
+          <a:xfrm>
+            <a:off x="376238" y="2762563"/>
+            <a:ext cx="5177896" cy="3578221"/>
+          </a:xfrm>
+          <a:prstGeom prst="rect">
+            <a:avLst/>
+          </a:prstGeom>
+        </p:spPr>
+      </p:pic>
+      <p:pic>
+        <p:nvPicPr>
+          <p:cNvPr id="5" name="Afbeelding 4">
+            <a:extLst>
+              <a:ext uri="{FF2B5EF4-FFF2-40B4-BE49-F238E27FC236}">
+                <a16:creationId xmlns:a16="http://schemas.microsoft.com/office/drawing/2014/main" id="{65453DCA-C571-4FA2-ADB9-923AC5C4FEF9}"/>
+              </a:ext>
+            </a:extLst>
+          </p:cNvPr>
+          <p:cNvPicPr>
+            <a:picLocks noChangeAspect="1"/>
+          </p:cNvPicPr>
+          <p:nvPr/>
+        </p:nvPicPr>
+        <p:blipFill>
+          <a:blip r:embed="rId3"/>
+          <a:stretch>
+            <a:fillRect/>
+          </a:stretch>
+        </p:blipFill>
+        <p:spPr>
+          <a:xfrm>
+            <a:off x="6480836" y="722490"/>
+            <a:ext cx="4948877" cy="5755759"/>
+          </a:xfrm>
+          <a:prstGeom prst="rect">
+            <a:avLst/>
+          </a:prstGeom>
+        </p:spPr>
+      </p:pic>
     </p:spTree>
     <p:extLst>
       <p:ext uri="{BB962C8B-B14F-4D97-AF65-F5344CB8AC3E}">
-        <p14:creationId xmlns:p14="http://schemas.microsoft.com/office/powerpoint/2010/main" val="3766687524"/>
+        <p14:creationId xmlns:p14="http://schemas.microsoft.com/office/powerpoint/2010/main" val="2363154766"/>
+      </p:ext>
+    </p:extLst>
+  </p:cSld>
+  <p:clrMapOvr>
+    <a:masterClrMapping/>
+  </p:clrMapOvr>
+</p:sld>
+</file>
+
+<file path=ppt/slides/slide7.xml><?xml version="1.0" encoding="utf-8"?>
+<p:sld xmlns:a="http://schemas.openxmlformats.org/drawingml/2006/main" xmlns:r="http://schemas.openxmlformats.org/officeDocument/2006/relationships" xmlns:p="http://schemas.openxmlformats.org/presentationml/2006/main">
+  <p:cSld>
+    <p:spTree>
+      <p:nvGrpSpPr>
+        <p:cNvPr id="1" name=""/>
+        <p:cNvGrpSpPr/>
+        <p:nvPr/>
+      </p:nvGrpSpPr>
+      <p:grpSpPr>
+        <a:xfrm>
+          <a:off x="0" y="0"/>
+          <a:ext cx="0" cy="0"/>
+          <a:chOff x="0" y="0"/>
+          <a:chExt cx="0" cy="0"/>
+        </a:xfrm>
+      </p:grpSpPr>
+      <p:sp>
+        <p:nvSpPr>
+          <p:cNvPr id="2" name="Titel 1">
+            <a:extLst>
+              <a:ext uri="{FF2B5EF4-FFF2-40B4-BE49-F238E27FC236}">
+                <a16:creationId xmlns:a16="http://schemas.microsoft.com/office/drawing/2014/main" id="{858A94D2-E76C-4AC6-82EE-B14B87BF1B2A}"/>
+              </a:ext>
+            </a:extLst>
+          </p:cNvPr>
+          <p:cNvSpPr>
+            <a:spLocks noGrp="1"/>
+          </p:cNvSpPr>
+          <p:nvPr>
+            <p:ph type="title"/>
+          </p:nvPr>
+        </p:nvSpPr>
+        <p:spPr/>
+        <p:txBody>
+          <a:bodyPr/>
+          <a:lstStyle/>
+          <a:p>
+            <a:r>
+              <a:rPr lang="nl-NL" dirty="0">
+                <a:solidFill>
+                  <a:schemeClr val="bg2">
+                    <a:lumMod val="50000"/>
+                  </a:schemeClr>
+                </a:solidFill>
+              </a:rPr>
+              <a:t>De app</a:t>
+            </a:r>
+            <a:endParaRPr lang="nl-NL" dirty="0"/>
+          </a:p>
+        </p:txBody>
+      </p:sp>
+      <p:pic>
+        <p:nvPicPr>
+          <p:cNvPr id="4" name="Afbeelding 3">
+            <a:extLst>
+              <a:ext uri="{FF2B5EF4-FFF2-40B4-BE49-F238E27FC236}">
+                <a16:creationId xmlns:a16="http://schemas.microsoft.com/office/drawing/2014/main" id="{EB09C078-5736-43C6-B0DA-CB1BCF597EFD}"/>
+              </a:ext>
+            </a:extLst>
+          </p:cNvPr>
+          <p:cNvPicPr>
+            <a:picLocks noChangeAspect="1"/>
+          </p:cNvPicPr>
+          <p:nvPr/>
+        </p:nvPicPr>
+        <p:blipFill>
+          <a:blip r:embed="rId2"/>
+          <a:stretch>
+            <a:fillRect/>
+          </a:stretch>
+        </p:blipFill>
+        <p:spPr>
+          <a:xfrm>
+            <a:off x="5620764" y="284176"/>
+            <a:ext cx="6401903" cy="4709518"/>
+          </a:xfrm>
+          <a:prstGeom prst="rect">
+            <a:avLst/>
+          </a:prstGeom>
+        </p:spPr>
+      </p:pic>
+      <p:pic>
+        <p:nvPicPr>
+          <p:cNvPr id="5" name="Afbeelding 4">
+            <a:extLst>
+              <a:ext uri="{FF2B5EF4-FFF2-40B4-BE49-F238E27FC236}">
+                <a16:creationId xmlns:a16="http://schemas.microsoft.com/office/drawing/2014/main" id="{2B2A7865-29AD-4D05-9FFB-63BD17BF25A1}"/>
+              </a:ext>
+            </a:extLst>
+          </p:cNvPr>
+          <p:cNvPicPr>
+            <a:picLocks noChangeAspect="1"/>
+          </p:cNvPicPr>
+          <p:nvPr/>
+        </p:nvPicPr>
+        <p:blipFill>
+          <a:blip r:embed="rId3"/>
+          <a:stretch>
+            <a:fillRect/>
+          </a:stretch>
+        </p:blipFill>
+        <p:spPr>
+          <a:xfrm>
+            <a:off x="126427" y="2136710"/>
+            <a:ext cx="8137831" cy="4595975"/>
+          </a:xfrm>
+          <a:prstGeom prst="rect">
+            <a:avLst/>
+          </a:prstGeom>
+        </p:spPr>
+      </p:pic>
+    </p:spTree>
+    <p:extLst>
+      <p:ext uri="{BB962C8B-B14F-4D97-AF65-F5344CB8AC3E}">
+        <p14:creationId xmlns:p14="http://schemas.microsoft.com/office/powerpoint/2010/main" val="1972223580"/>
       </p:ext>
     </p:extLst>
   </p:cSld>
